--- a/OOPSpresentation.pptx
+++ b/OOPSpresentation.pptx
@@ -6,18 +6,19 @@
   </p:sldMasterIdLst>
   <p:sldIdLst>
     <p:sldId id="256" r:id="rId2"/>
-    <p:sldId id="257" r:id="rId3"/>
-    <p:sldId id="258" r:id="rId4"/>
-    <p:sldId id="259" r:id="rId5"/>
-    <p:sldId id="263" r:id="rId6"/>
-    <p:sldId id="262" r:id="rId7"/>
-    <p:sldId id="260" r:id="rId8"/>
-    <p:sldId id="265" r:id="rId9"/>
+    <p:sldId id="269" r:id="rId3"/>
+    <p:sldId id="257" r:id="rId4"/>
+    <p:sldId id="258" r:id="rId5"/>
+    <p:sldId id="259" r:id="rId6"/>
+    <p:sldId id="263" r:id="rId7"/>
+    <p:sldId id="262" r:id="rId8"/>
+    <p:sldId id="260" r:id="rId9"/>
     <p:sldId id="268" r:id="rId10"/>
     <p:sldId id="264" r:id="rId11"/>
     <p:sldId id="266" r:id="rId12"/>
     <p:sldId id="261" r:id="rId13"/>
     <p:sldId id="267" r:id="rId14"/>
+    <p:sldId id="270" r:id="rId15"/>
   </p:sldIdLst>
   <p:sldSz cx="12192000" cy="6858000"/>
   <p:notesSz cx="6858000" cy="9144000"/>
@@ -116,6 +117,11 @@
       </a:defRPr>
     </a:lvl9pPr>
   </p:defaultTextStyle>
+  <p:extLst>
+    <p:ext uri="{EFAFB233-063F-42B5-8137-9DF3F51BA10A}">
+      <p15:sldGuideLst xmlns:p15="http://schemas.microsoft.com/office/powerpoint/2012/main"/>
+    </p:ext>
+  </p:extLst>
 </p:presentation>
 </file>
 
@@ -1331,7 +1337,7 @@
             <a:fld id="{9334D819-9F07-4261-B09B-9E467E5D9002}" type="datetimeFigureOut">
               <a:rPr lang="en-US" smtClean="0"/>
               <a:pPr/>
-              <a:t>2/11/2020</a:t>
+              <a:t>2/12/2020</a:t>
             </a:fld>
             <a:endParaRPr lang="en-US" dirty="0"/>
           </a:p>
@@ -1570,7 +1576,7 @@
           <a:p>
             <a:fld id="{9334D819-9F07-4261-B09B-9E467E5D9002}" type="datetimeFigureOut">
               <a:rPr lang="en-US" smtClean="0"/>
-              <a:t>2/11/2020</a:t>
+              <a:t>2/12/2020</a:t>
             </a:fld>
             <a:endParaRPr lang="en-US" dirty="0"/>
           </a:p>
@@ -1750,7 +1756,7 @@
           <a:p>
             <a:fld id="{9334D819-9F07-4261-B09B-9E467E5D9002}" type="datetimeFigureOut">
               <a:rPr lang="en-US" smtClean="0"/>
-              <a:t>2/11/2020</a:t>
+              <a:t>2/12/2020</a:t>
             </a:fld>
             <a:endParaRPr lang="en-US" dirty="0"/>
           </a:p>
@@ -1920,7 +1926,7 @@
           <a:p>
             <a:fld id="{9334D819-9F07-4261-B09B-9E467E5D9002}" type="datetimeFigureOut">
               <a:rPr lang="en-US" smtClean="0"/>
-              <a:t>2/11/2020</a:t>
+              <a:t>2/12/2020</a:t>
             </a:fld>
             <a:endParaRPr lang="en-US" dirty="0"/>
           </a:p>
@@ -2194,7 +2200,7 @@
             <a:fld id="{9334D819-9F07-4261-B09B-9E467E5D9002}" type="datetimeFigureOut">
               <a:rPr lang="en-US" smtClean="0"/>
               <a:pPr/>
-              <a:t>2/11/2020</a:t>
+              <a:t>2/12/2020</a:t>
             </a:fld>
             <a:endParaRPr lang="en-US" dirty="0"/>
           </a:p>
@@ -3396,7 +3402,7 @@
           <a:p>
             <a:fld id="{9334D819-9F07-4261-B09B-9E467E5D9002}" type="datetimeFigureOut">
               <a:rPr lang="en-US" smtClean="0"/>
-              <a:t>2/11/2020</a:t>
+              <a:t>2/12/2020</a:t>
             </a:fld>
             <a:endParaRPr lang="en-US" dirty="0"/>
           </a:p>
@@ -3786,7 +3792,7 @@
           <a:p>
             <a:fld id="{9334D819-9F07-4261-B09B-9E467E5D9002}" type="datetimeFigureOut">
               <a:rPr lang="en-US" smtClean="0"/>
-              <a:t>2/11/2020</a:t>
+              <a:t>2/12/2020</a:t>
             </a:fld>
             <a:endParaRPr lang="en-US" dirty="0"/>
           </a:p>
@@ -3909,7 +3915,7 @@
           <a:p>
             <a:fld id="{9334D819-9F07-4261-B09B-9E467E5D9002}" type="datetimeFigureOut">
               <a:rPr lang="en-US" smtClean="0"/>
-              <a:t>2/11/2020</a:t>
+              <a:t>2/12/2020</a:t>
             </a:fld>
             <a:endParaRPr lang="en-US" dirty="0"/>
           </a:p>
@@ -4004,7 +4010,7 @@
           <a:p>
             <a:fld id="{9334D819-9F07-4261-B09B-9E467E5D9002}" type="datetimeFigureOut">
               <a:rPr lang="en-US" smtClean="0"/>
-              <a:t>2/11/2020</a:t>
+              <a:t>2/12/2020</a:t>
             </a:fld>
             <a:endParaRPr lang="en-US" dirty="0"/>
           </a:p>
@@ -4767,7 +4773,7 @@
           <a:p>
             <a:fld id="{9334D819-9F07-4261-B09B-9E467E5D9002}" type="datetimeFigureOut">
               <a:rPr lang="en-US" smtClean="0"/>
-              <a:t>2/11/2020</a:t>
+              <a:t>2/12/2020</a:t>
             </a:fld>
             <a:endParaRPr lang="en-US" dirty="0"/>
           </a:p>
@@ -4876,7 +4882,7 @@
   <p:extLst mod="1">
     <p:ext uri="{DCECCB84-F9BA-43D5-87BE-67443E8EF086}">
       <p15:sldGuideLst xmlns:p15="http://schemas.microsoft.com/office/powerpoint/2012/main">
-        <p15:guide id="4294967295" orient="horz" pos="696">
+        <p15:guide id="1" orient="horz" pos="696">
           <p15:clr>
             <a:srgbClr val="FBAE40"/>
           </p15:clr>
@@ -5607,7 +5613,7 @@
           <a:p>
             <a:fld id="{9334D819-9F07-4261-B09B-9E467E5D9002}" type="datetimeFigureOut">
               <a:rPr lang="en-US" smtClean="0"/>
-              <a:t>2/11/2020</a:t>
+              <a:t>2/12/2020</a:t>
             </a:fld>
             <a:endParaRPr lang="en-US" dirty="0"/>
           </a:p>
@@ -5835,7 +5841,7 @@
             <a:fld id="{9334D819-9F07-4261-B09B-9E467E5D9002}" type="datetimeFigureOut">
               <a:rPr lang="en-US" smtClean="0"/>
               <a:pPr/>
-              <a:t>2/11/2020</a:t>
+              <a:t>2/12/2020</a:t>
             </a:fld>
             <a:endParaRPr lang="en-US" dirty="0"/>
           </a:p>
@@ -6782,32 +6788,32 @@
   <p:extLst mod="1">
     <p:ext uri="{27BBF7A9-308A-43DC-89C8-2F10F3537804}">
       <p15:sldGuideLst xmlns:p15="http://schemas.microsoft.com/office/powerpoint/2012/main">
-        <p15:guide id="4294967295" pos="792">
+        <p15:guide id="1" pos="792">
           <p15:clr>
             <a:srgbClr val="F26B43"/>
           </p15:clr>
         </p15:guide>
-        <p15:guide id="4294967295" pos="7200">
+        <p15:guide id="2" pos="7200">
           <p15:clr>
             <a:srgbClr val="F26B43"/>
           </p15:clr>
         </p15:guide>
-        <p15:guide id="4294967295" orient="horz" pos="4008">
+        <p15:guide id="3" orient="horz" pos="4008">
           <p15:clr>
             <a:srgbClr val="F26B43"/>
           </p15:clr>
         </p15:guide>
-        <p15:guide id="4294967295" orient="horz" pos="1440">
+        <p15:guide id="4" orient="horz" pos="1440">
           <p15:clr>
             <a:srgbClr val="F26B43"/>
           </p15:clr>
         </p15:guide>
-        <p15:guide id="4294967295" orient="horz" pos="3720">
+        <p15:guide id="5" orient="horz" pos="3720">
           <p15:clr>
             <a:srgbClr val="F26B43"/>
           </p15:clr>
         </p15:guide>
-        <p15:guide id="4294967295" orient="horz" pos="240">
+        <p15:guide id="6" orient="horz" pos="240">
           <p15:clr>
             <a:srgbClr val="F26B43"/>
           </p15:clr>
@@ -6981,11 +6987,7 @@
             </a:r>
             <a:r>
               <a:rPr lang="en-US" dirty="0"/>
-              <a:t>: It is represented by attributes of an object. </a:t>
-            </a:r>
-            <a:r>
-              <a:rPr lang="en-US" dirty="0"/>
-              <a:t> </a:t>
+              <a:t>: It is represented by attributes of an object.  </a:t>
             </a:r>
             <a:r>
               <a:rPr lang="en-US" dirty="0" smtClean="0"/>
@@ -7027,7 +7029,6 @@
               <a:rPr lang="en-US" dirty="0"/>
               <a:t>: It gives a unique name to an object and enables one object to interact with other objects.</a:t>
             </a:r>
-            <a:endParaRPr lang="en-US" dirty="0"/>
           </a:p>
         </p:txBody>
       </p:sp>
@@ -7235,11 +7236,7 @@
           <a:p>
             <a:r>
               <a:rPr lang="en-US" dirty="0"/>
-              <a:t>A</a:t>
-            </a:r>
-            <a:r>
-              <a:rPr lang="en-US" dirty="0"/>
-              <a:t> </a:t>
+              <a:t>A </a:t>
             </a:r>
             <a:r>
               <a:rPr lang="en-US" b="1" dirty="0"/>
@@ -7298,7 +7295,6 @@
               <a:rPr lang="en-US" dirty="0"/>
               <a:t>of behavior (member functions or methods).</a:t>
             </a:r>
-            <a:endParaRPr lang="en-US" dirty="0"/>
           </a:p>
         </p:txBody>
       </p:sp>
@@ -7306,6 +7302,399 @@
     <p:extLst>
       <p:ext uri="{BB962C8B-B14F-4D97-AF65-F5344CB8AC3E}">
         <p14:creationId xmlns:p14="http://schemas.microsoft.com/office/powerpoint/2010/main" val="3708347548"/>
+      </p:ext>
+    </p:extLst>
+  </p:cSld>
+  <p:clrMapOvr>
+    <a:masterClrMapping/>
+  </p:clrMapOvr>
+</p:sld>
+</file>
+
+<file path=ppt/slides/slide14.xml><?xml version="1.0" encoding="utf-8"?>
+<p:sld xmlns:a="http://schemas.openxmlformats.org/drawingml/2006/main" xmlns:r="http://schemas.openxmlformats.org/officeDocument/2006/relationships" xmlns:p="http://schemas.openxmlformats.org/presentationml/2006/main">
+  <p:cSld>
+    <p:spTree>
+      <p:nvGrpSpPr>
+        <p:cNvPr id="1" name=""/>
+        <p:cNvGrpSpPr/>
+        <p:nvPr/>
+      </p:nvGrpSpPr>
+      <p:grpSpPr>
+        <a:xfrm>
+          <a:off x="0" y="0"/>
+          <a:ext cx="0" cy="0"/>
+          <a:chOff x="0" y="0"/>
+          <a:chExt cx="0" cy="0"/>
+        </a:xfrm>
+      </p:grpSpPr>
+      <p:sp>
+        <p:nvSpPr>
+          <p:cNvPr id="2" name="Title 1"/>
+          <p:cNvSpPr>
+            <a:spLocks noGrp="1"/>
+          </p:cNvSpPr>
+          <p:nvPr>
+            <p:ph type="title"/>
+          </p:nvPr>
+        </p:nvSpPr>
+        <p:spPr/>
+        <p:txBody>
+          <a:bodyPr/>
+          <a:lstStyle/>
+          <a:p>
+            <a:r>
+              <a:rPr lang="en-US" dirty="0" smtClean="0"/>
+              <a:t>class</a:t>
+            </a:r>
+            <a:endParaRPr lang="en-US" dirty="0"/>
+          </a:p>
+        </p:txBody>
+      </p:sp>
+      <p:sp>
+        <p:nvSpPr>
+          <p:cNvPr id="3" name="Rectangle 2"/>
+          <p:cNvSpPr/>
+          <p:nvPr/>
+        </p:nvSpPr>
+        <p:spPr>
+          <a:xfrm>
+            <a:off x="1455313" y="1700011"/>
+            <a:ext cx="9465972" cy="3517438"/>
+          </a:xfrm>
+          <a:prstGeom prst="rect">
+            <a:avLst/>
+          </a:prstGeom>
+        </p:spPr>
+        <p:txBody>
+          <a:bodyPr wrap="square">
+            <a:spAutoFit/>
+          </a:bodyPr>
+          <a:lstStyle/>
+          <a:p>
+            <a:pPr marL="742950" marR="0" lvl="1" indent="-285750" fontAlgn="base">
+              <a:lnSpc>
+                <a:spcPct val="107000"/>
+              </a:lnSpc>
+              <a:spcBef>
+                <a:spcPts val="0"/>
+              </a:spcBef>
+              <a:spcAft>
+                <a:spcPts val="0"/>
+              </a:spcAft>
+              <a:tabLst>
+                <a:tab pos="914400" algn="l"/>
+              </a:tabLst>
+            </a:pPr>
+            <a:r>
+              <a:rPr lang="en-US" sz="1600" b="1" dirty="0">
+                <a:latin typeface="Arial" panose="020B0604020202020204" pitchFamily="34" charset="0"/>
+                <a:ea typeface="Times New Roman" panose="02020603050405020304" pitchFamily="18" charset="0"/>
+                <a:cs typeface="Times New Roman" panose="02020603050405020304" pitchFamily="18" charset="0"/>
+              </a:rPr>
+              <a:t>Modifiers</a:t>
+            </a:r>
+            <a:r>
+              <a:rPr lang="en-US" sz="1600" dirty="0">
+                <a:latin typeface="Arial" panose="020B0604020202020204" pitchFamily="34" charset="0"/>
+                <a:ea typeface="Times New Roman" panose="02020603050405020304" pitchFamily="18" charset="0"/>
+                <a:cs typeface="Times New Roman" panose="02020603050405020304" pitchFamily="18" charset="0"/>
+              </a:rPr>
+              <a:t>: A class can be public or has default access </a:t>
+            </a:r>
+            <a:endParaRPr lang="en-US" sz="1600" dirty="0" smtClean="0">
+              <a:latin typeface="Arial" panose="020B0604020202020204" pitchFamily="34" charset="0"/>
+              <a:ea typeface="Times New Roman" panose="02020603050405020304" pitchFamily="18" charset="0"/>
+              <a:cs typeface="Times New Roman" panose="02020603050405020304" pitchFamily="18" charset="0"/>
+            </a:endParaRPr>
+          </a:p>
+          <a:p>
+            <a:pPr marL="742950" marR="0" lvl="1" indent="-285750" fontAlgn="base">
+              <a:lnSpc>
+                <a:spcPct val="107000"/>
+              </a:lnSpc>
+              <a:spcBef>
+                <a:spcPts val="0"/>
+              </a:spcBef>
+              <a:spcAft>
+                <a:spcPts val="0"/>
+              </a:spcAft>
+              <a:tabLst>
+                <a:tab pos="914400" algn="l"/>
+              </a:tabLst>
+            </a:pPr>
+            <a:endParaRPr lang="en-US" sz="1600" dirty="0" smtClean="0">
+              <a:latin typeface="Arial" panose="020B0604020202020204" pitchFamily="34" charset="0"/>
+              <a:ea typeface="Times New Roman" panose="02020603050405020304" pitchFamily="18" charset="0"/>
+              <a:cs typeface="Times New Roman" panose="02020603050405020304" pitchFamily="18" charset="0"/>
+            </a:endParaRPr>
+          </a:p>
+          <a:p>
+            <a:pPr marL="742950" marR="0" lvl="1" indent="-285750" fontAlgn="base">
+              <a:lnSpc>
+                <a:spcPct val="107000"/>
+              </a:lnSpc>
+              <a:spcBef>
+                <a:spcPts val="0"/>
+              </a:spcBef>
+              <a:spcAft>
+                <a:spcPts val="0"/>
+              </a:spcAft>
+              <a:tabLst>
+                <a:tab pos="914400" algn="l"/>
+              </a:tabLst>
+            </a:pPr>
+            <a:endParaRPr lang="en-US" sz="1600" dirty="0">
+              <a:latin typeface="Calibri" panose="020F0502020204030204" pitchFamily="34" charset="0"/>
+              <a:ea typeface="Calibri" panose="020F0502020204030204" pitchFamily="34" charset="0"/>
+              <a:cs typeface="Times New Roman" panose="02020603050405020304" pitchFamily="18" charset="0"/>
+            </a:endParaRPr>
+          </a:p>
+          <a:p>
+            <a:pPr marL="742950" marR="0" lvl="1" indent="-285750" fontAlgn="base">
+              <a:lnSpc>
+                <a:spcPct val="107000"/>
+              </a:lnSpc>
+              <a:spcBef>
+                <a:spcPts val="0"/>
+              </a:spcBef>
+              <a:spcAft>
+                <a:spcPts val="0"/>
+              </a:spcAft>
+              <a:tabLst>
+                <a:tab pos="914400" algn="l"/>
+              </a:tabLst>
+            </a:pPr>
+            <a:r>
+              <a:rPr lang="en-US" sz="1600" b="1" dirty="0">
+                <a:latin typeface="Arial" panose="020B0604020202020204" pitchFamily="34" charset="0"/>
+                <a:ea typeface="Times New Roman" panose="02020603050405020304" pitchFamily="18" charset="0"/>
+                <a:cs typeface="Times New Roman" panose="02020603050405020304" pitchFamily="18" charset="0"/>
+              </a:rPr>
+              <a:t>Class name:</a:t>
+            </a:r>
+            <a:r>
+              <a:rPr lang="en-US" sz="1600" dirty="0">
+                <a:latin typeface="Arial" panose="020B0604020202020204" pitchFamily="34" charset="0"/>
+                <a:ea typeface="Times New Roman" panose="02020603050405020304" pitchFamily="18" charset="0"/>
+                <a:cs typeface="Times New Roman" panose="02020603050405020304" pitchFamily="18" charset="0"/>
+              </a:rPr>
+              <a:t> The name should begin with a initial letter </a:t>
+            </a:r>
+            <a:endParaRPr lang="en-US" sz="1600" dirty="0" smtClean="0">
+              <a:latin typeface="Arial" panose="020B0604020202020204" pitchFamily="34" charset="0"/>
+              <a:ea typeface="Times New Roman" panose="02020603050405020304" pitchFamily="18" charset="0"/>
+              <a:cs typeface="Times New Roman" panose="02020603050405020304" pitchFamily="18" charset="0"/>
+            </a:endParaRPr>
+          </a:p>
+          <a:p>
+            <a:pPr marL="742950" marR="0" lvl="1" indent="-285750" fontAlgn="base">
+              <a:lnSpc>
+                <a:spcPct val="107000"/>
+              </a:lnSpc>
+              <a:spcBef>
+                <a:spcPts val="0"/>
+              </a:spcBef>
+              <a:spcAft>
+                <a:spcPts val="0"/>
+              </a:spcAft>
+              <a:tabLst>
+                <a:tab pos="914400" algn="l"/>
+              </a:tabLst>
+            </a:pPr>
+            <a:endParaRPr lang="en-US" sz="1600" dirty="0">
+              <a:latin typeface="Calibri" panose="020F0502020204030204" pitchFamily="34" charset="0"/>
+              <a:ea typeface="Calibri" panose="020F0502020204030204" pitchFamily="34" charset="0"/>
+              <a:cs typeface="Times New Roman" panose="02020603050405020304" pitchFamily="18" charset="0"/>
+            </a:endParaRPr>
+          </a:p>
+          <a:p>
+            <a:pPr marL="742950" marR="0" lvl="1" indent="-285750" fontAlgn="base">
+              <a:lnSpc>
+                <a:spcPct val="107000"/>
+              </a:lnSpc>
+              <a:spcBef>
+                <a:spcPts val="0"/>
+              </a:spcBef>
+              <a:spcAft>
+                <a:spcPts val="0"/>
+              </a:spcAft>
+              <a:tabLst>
+                <a:tab pos="914400" algn="l"/>
+              </a:tabLst>
+            </a:pPr>
+            <a:r>
+              <a:rPr lang="en-US" sz="1600" b="1" dirty="0">
+                <a:latin typeface="Arial" panose="020B0604020202020204" pitchFamily="34" charset="0"/>
+                <a:ea typeface="Times New Roman" panose="02020603050405020304" pitchFamily="18" charset="0"/>
+                <a:cs typeface="Times New Roman" panose="02020603050405020304" pitchFamily="18" charset="0"/>
+              </a:rPr>
+              <a:t>Superclass(if any):</a:t>
+            </a:r>
+            <a:r>
+              <a:rPr lang="en-US" sz="1600" dirty="0">
+                <a:latin typeface="Arial" panose="020B0604020202020204" pitchFamily="34" charset="0"/>
+                <a:ea typeface="Times New Roman" panose="02020603050405020304" pitchFamily="18" charset="0"/>
+                <a:cs typeface="Times New Roman" panose="02020603050405020304" pitchFamily="18" charset="0"/>
+              </a:rPr>
+              <a:t> The name of the class’s parent (superclass), if any, preceded by the keyword extends. A class can only extend (subclass) one parent</a:t>
+            </a:r>
+            <a:r>
+              <a:rPr lang="en-US" sz="1600" dirty="0" smtClean="0">
+                <a:latin typeface="Arial" panose="020B0604020202020204" pitchFamily="34" charset="0"/>
+                <a:ea typeface="Times New Roman" panose="02020603050405020304" pitchFamily="18" charset="0"/>
+                <a:cs typeface="Times New Roman" panose="02020603050405020304" pitchFamily="18" charset="0"/>
+              </a:rPr>
+              <a:t>.</a:t>
+            </a:r>
+          </a:p>
+          <a:p>
+            <a:pPr marL="742950" marR="0" lvl="1" indent="-285750" fontAlgn="base">
+              <a:lnSpc>
+                <a:spcPct val="107000"/>
+              </a:lnSpc>
+              <a:spcBef>
+                <a:spcPts val="0"/>
+              </a:spcBef>
+              <a:spcAft>
+                <a:spcPts val="0"/>
+              </a:spcAft>
+              <a:tabLst>
+                <a:tab pos="914400" algn="l"/>
+              </a:tabLst>
+            </a:pPr>
+            <a:endParaRPr lang="en-US" sz="1600" dirty="0">
+              <a:latin typeface="Calibri" panose="020F0502020204030204" pitchFamily="34" charset="0"/>
+              <a:ea typeface="Calibri" panose="020F0502020204030204" pitchFamily="34" charset="0"/>
+              <a:cs typeface="Times New Roman" panose="02020603050405020304" pitchFamily="18" charset="0"/>
+            </a:endParaRPr>
+          </a:p>
+          <a:p>
+            <a:pPr marL="742950" marR="0" lvl="1" indent="-285750" fontAlgn="base">
+              <a:lnSpc>
+                <a:spcPct val="107000"/>
+              </a:lnSpc>
+              <a:spcBef>
+                <a:spcPts val="0"/>
+              </a:spcBef>
+              <a:spcAft>
+                <a:spcPts val="0"/>
+              </a:spcAft>
+              <a:tabLst>
+                <a:tab pos="914400" algn="l"/>
+              </a:tabLst>
+            </a:pPr>
+            <a:r>
+              <a:rPr lang="en-US" sz="1600" b="1" dirty="0">
+                <a:latin typeface="Arial" panose="020B0604020202020204" pitchFamily="34" charset="0"/>
+                <a:ea typeface="Times New Roman" panose="02020603050405020304" pitchFamily="18" charset="0"/>
+                <a:cs typeface="Times New Roman" panose="02020603050405020304" pitchFamily="18" charset="0"/>
+              </a:rPr>
+              <a:t>Interfaces(if any):</a:t>
+            </a:r>
+            <a:r>
+              <a:rPr lang="en-US" sz="1600" dirty="0">
+                <a:latin typeface="Arial" panose="020B0604020202020204" pitchFamily="34" charset="0"/>
+                <a:ea typeface="Times New Roman" panose="02020603050405020304" pitchFamily="18" charset="0"/>
+                <a:cs typeface="Times New Roman" panose="02020603050405020304" pitchFamily="18" charset="0"/>
+              </a:rPr>
+              <a:t> A comma-separated list of interfaces implemented by the class, if any, preceded by the keyword implements. A class can implement more than one interface</a:t>
+            </a:r>
+            <a:r>
+              <a:rPr lang="en-US" sz="1600" dirty="0" smtClean="0">
+                <a:latin typeface="Arial" panose="020B0604020202020204" pitchFamily="34" charset="0"/>
+                <a:ea typeface="Times New Roman" panose="02020603050405020304" pitchFamily="18" charset="0"/>
+                <a:cs typeface="Times New Roman" panose="02020603050405020304" pitchFamily="18" charset="0"/>
+              </a:rPr>
+              <a:t>.</a:t>
+            </a:r>
+          </a:p>
+          <a:p>
+            <a:pPr marL="742950" marR="0" lvl="1" indent="-285750" fontAlgn="base">
+              <a:lnSpc>
+                <a:spcPct val="107000"/>
+              </a:lnSpc>
+              <a:spcBef>
+                <a:spcPts val="0"/>
+              </a:spcBef>
+              <a:spcAft>
+                <a:spcPts val="0"/>
+              </a:spcAft>
+              <a:tabLst>
+                <a:tab pos="914400" algn="l"/>
+              </a:tabLst>
+            </a:pPr>
+            <a:endParaRPr lang="en-US" sz="1600" dirty="0">
+              <a:latin typeface="Arial" panose="020B0604020202020204" pitchFamily="34" charset="0"/>
+              <a:ea typeface="Calibri" panose="020F0502020204030204" pitchFamily="34" charset="0"/>
+              <a:cs typeface="Times New Roman" panose="02020603050405020304" pitchFamily="18" charset="0"/>
+            </a:endParaRPr>
+          </a:p>
+          <a:p>
+            <a:pPr marL="742950" marR="0" lvl="1" indent="-285750" fontAlgn="base">
+              <a:lnSpc>
+                <a:spcPct val="107000"/>
+              </a:lnSpc>
+              <a:spcBef>
+                <a:spcPts val="0"/>
+              </a:spcBef>
+              <a:spcAft>
+                <a:spcPts val="0"/>
+              </a:spcAft>
+              <a:tabLst>
+                <a:tab pos="914400" algn="l"/>
+              </a:tabLst>
+            </a:pPr>
+            <a:endParaRPr lang="en-US" sz="1600" dirty="0">
+              <a:latin typeface="Calibri" panose="020F0502020204030204" pitchFamily="34" charset="0"/>
+              <a:ea typeface="Calibri" panose="020F0502020204030204" pitchFamily="34" charset="0"/>
+              <a:cs typeface="Times New Roman" panose="02020603050405020304" pitchFamily="18" charset="0"/>
+            </a:endParaRPr>
+          </a:p>
+          <a:p>
+            <a:pPr marL="742950" marR="0" lvl="1" indent="-285750" fontAlgn="base">
+              <a:lnSpc>
+                <a:spcPct val="107000"/>
+              </a:lnSpc>
+              <a:spcBef>
+                <a:spcPts val="0"/>
+              </a:spcBef>
+              <a:spcAft>
+                <a:spcPts val="0"/>
+              </a:spcAft>
+              <a:tabLst>
+                <a:tab pos="914400" algn="l"/>
+              </a:tabLst>
+            </a:pPr>
+            <a:r>
+              <a:rPr lang="en-US" sz="1600" b="1" dirty="0">
+                <a:latin typeface="Arial" panose="020B0604020202020204" pitchFamily="34" charset="0"/>
+                <a:ea typeface="Times New Roman" panose="02020603050405020304" pitchFamily="18" charset="0"/>
+                <a:cs typeface="Times New Roman" panose="02020603050405020304" pitchFamily="18" charset="0"/>
+              </a:rPr>
+              <a:t>Body:</a:t>
+            </a:r>
+            <a:r>
+              <a:rPr lang="en-US" sz="1600" dirty="0">
+                <a:latin typeface="Arial" panose="020B0604020202020204" pitchFamily="34" charset="0"/>
+                <a:ea typeface="Times New Roman" panose="02020603050405020304" pitchFamily="18" charset="0"/>
+                <a:cs typeface="Times New Roman" panose="02020603050405020304" pitchFamily="18" charset="0"/>
+              </a:rPr>
+              <a:t> The class body surrounded by braces, { }.</a:t>
+            </a:r>
+            <a:endParaRPr lang="en-US" sz="1600" dirty="0">
+              <a:effectLst/>
+              <a:latin typeface="Calibri" panose="020F0502020204030204" pitchFamily="34" charset="0"/>
+              <a:ea typeface="Calibri" panose="020F0502020204030204" pitchFamily="34" charset="0"/>
+              <a:cs typeface="Times New Roman" panose="02020603050405020304" pitchFamily="18" charset="0"/>
+            </a:endParaRPr>
+          </a:p>
+        </p:txBody>
+      </p:sp>
+    </p:spTree>
+    <p:extLst>
+      <p:ext uri="{BB962C8B-B14F-4D97-AF65-F5344CB8AC3E}">
+        <p14:creationId xmlns:p14="http://schemas.microsoft.com/office/powerpoint/2010/main" val="2389477681"/>
       </p:ext>
     </p:extLst>
   </p:cSld>
@@ -7342,19 +7731,14 @@
             <p:ph type="title"/>
           </p:nvPr>
         </p:nvSpPr>
-        <p:spPr>
-          <a:xfrm>
-            <a:off x="1251677" y="382385"/>
-            <a:ext cx="10592491" cy="1166716"/>
-          </a:xfrm>
-        </p:spPr>
+        <p:spPr/>
         <p:txBody>
           <a:bodyPr/>
           <a:lstStyle/>
           <a:p>
             <a:r>
               <a:rPr lang="en-US" dirty="0" smtClean="0"/>
-              <a:t>Object Oriented programming</a:t>
+              <a:t>53 years ago…</a:t>
             </a:r>
             <a:endParaRPr lang="en-US" dirty="0"/>
           </a:p>
@@ -7377,28 +7761,60 @@
           <a:p>
             <a:r>
               <a:rPr lang="en-US" dirty="0" smtClean="0"/>
-              <a:t>Object Oriented Programming is a programming paradigm  </a:t>
-            </a:r>
+              <a:t>Alan Kay in 1967 coined “object oriented programming”.</a:t>
+            </a:r>
+          </a:p>
+          <a:p>
+            <a:r>
+              <a:rPr lang="en-US" dirty="0" smtClean="0"/>
+              <a:t>Inspired from cells .</a:t>
+            </a:r>
+          </a:p>
+          <a:p>
+            <a:r>
+              <a:rPr lang="en-US" dirty="0" smtClean="0"/>
+              <a:t>Developed Smalltalk at Xerox.</a:t>
+            </a:r>
+          </a:p>
+          <a:p>
             <a:r>
               <a:rPr lang="en-US" dirty="0"/>
-              <a:t>which is based upon the concept of objects</a:t>
+              <a:t>A</a:t>
             </a:r>
             <a:r>
               <a:rPr lang="en-US" dirty="0" smtClean="0"/>
-              <a:t>.</a:t>
-            </a:r>
-          </a:p>
-          <a:p>
+              <a:t>ccording </a:t>
+            </a:r>
             <a:r>
               <a:rPr lang="en-US" dirty="0"/>
-              <a:t>In object oriented programming, computer programs are designed using the concept of objects that interact with real world</a:t>
-            </a:r>
-            <a:r>
-              <a:rPr lang="en-US" dirty="0" smtClean="0"/>
-              <a:t>.</a:t>
-            </a:r>
-          </a:p>
-          <a:p>
+              <a:t>to Alan Kay, the essential ingredients of OOP are:</a:t>
+            </a:r>
+          </a:p>
+          <a:p>
+            <a:r>
+              <a:rPr lang="en-US" dirty="0"/>
+              <a:t>Message passing</a:t>
+            </a:r>
+          </a:p>
+          <a:p>
+            <a:r>
+              <a:rPr lang="en-US" dirty="0"/>
+              <a:t>Encapsulation</a:t>
+            </a:r>
+          </a:p>
+          <a:p>
+            <a:r>
+              <a:rPr lang="en-US" dirty="0"/>
+              <a:t>Dynamic binding</a:t>
+            </a:r>
+          </a:p>
+          <a:p>
+            <a:endParaRPr lang="en-US" dirty="0" smtClean="0"/>
+          </a:p>
+          <a:p>
+            <a:pPr marL="0" indent="0">
+              <a:buNone/>
+            </a:pPr>
             <a:endParaRPr lang="en-US" dirty="0" smtClean="0"/>
           </a:p>
           <a:p>
@@ -7409,7 +7825,7 @@
     </p:spTree>
     <p:extLst>
       <p:ext uri="{BB962C8B-B14F-4D97-AF65-F5344CB8AC3E}">
-        <p14:creationId xmlns:p14="http://schemas.microsoft.com/office/powerpoint/2010/main" val="1986746076"/>
+        <p14:creationId xmlns:p14="http://schemas.microsoft.com/office/powerpoint/2010/main" val="885296690"/>
       </p:ext>
     </p:extLst>
   </p:cSld>
@@ -7446,6 +7862,118 @@
             <p:ph type="title"/>
           </p:nvPr>
         </p:nvSpPr>
+        <p:spPr>
+          <a:xfrm>
+            <a:off x="1251677" y="382385"/>
+            <a:ext cx="10592491" cy="1166716"/>
+          </a:xfrm>
+        </p:spPr>
+        <p:txBody>
+          <a:bodyPr/>
+          <a:lstStyle/>
+          <a:p>
+            <a:r>
+              <a:rPr lang="en-US" dirty="0" smtClean="0"/>
+              <a:t>Object Oriented programming</a:t>
+            </a:r>
+            <a:endParaRPr lang="en-US" dirty="0"/>
+          </a:p>
+        </p:txBody>
+      </p:sp>
+      <p:sp>
+        <p:nvSpPr>
+          <p:cNvPr id="3" name="Content Placeholder 2"/>
+          <p:cNvSpPr>
+            <a:spLocks noGrp="1"/>
+          </p:cNvSpPr>
+          <p:nvPr>
+            <p:ph idx="1"/>
+          </p:nvPr>
+        </p:nvSpPr>
+        <p:spPr/>
+        <p:txBody>
+          <a:bodyPr/>
+          <a:lstStyle/>
+          <a:p>
+            <a:r>
+              <a:rPr lang="en-US" dirty="0" smtClean="0"/>
+              <a:t>Object Oriented Programming is a programming paradigm  </a:t>
+            </a:r>
+            <a:r>
+              <a:rPr lang="en-US" dirty="0"/>
+              <a:t>which is based upon the concept of objects</a:t>
+            </a:r>
+            <a:r>
+              <a:rPr lang="en-US" dirty="0" smtClean="0"/>
+              <a:t>.</a:t>
+            </a:r>
+          </a:p>
+          <a:p>
+            <a:r>
+              <a:rPr lang="en-US" dirty="0"/>
+              <a:t>In object oriented programming, computer programs are designed using the concept of objects that interact with real world</a:t>
+            </a:r>
+            <a:r>
+              <a:rPr lang="en-US" dirty="0" smtClean="0"/>
+              <a:t>.</a:t>
+            </a:r>
+            <a:endParaRPr lang="en-US" dirty="0"/>
+          </a:p>
+          <a:p>
+            <a:r>
+              <a:rPr lang="en-US" dirty="0"/>
+              <a:t>Another reason to use Object-oriented Programming is the ease of development and ability for other developers to understand the program after development</a:t>
+            </a:r>
+            <a:endParaRPr lang="en-US" dirty="0" smtClean="0"/>
+          </a:p>
+          <a:p>
+            <a:endParaRPr lang="en-US" dirty="0" smtClean="0"/>
+          </a:p>
+          <a:p>
+            <a:endParaRPr lang="en-US" dirty="0"/>
+          </a:p>
+        </p:txBody>
+      </p:sp>
+    </p:spTree>
+    <p:extLst>
+      <p:ext uri="{BB962C8B-B14F-4D97-AF65-F5344CB8AC3E}">
+        <p14:creationId xmlns:p14="http://schemas.microsoft.com/office/powerpoint/2010/main" val="1986746076"/>
+      </p:ext>
+    </p:extLst>
+  </p:cSld>
+  <p:clrMapOvr>
+    <a:masterClrMapping/>
+  </p:clrMapOvr>
+</p:sld>
+</file>
+
+<file path=ppt/slides/slide4.xml><?xml version="1.0" encoding="utf-8"?>
+<p:sld xmlns:a="http://schemas.openxmlformats.org/drawingml/2006/main" xmlns:r="http://schemas.openxmlformats.org/officeDocument/2006/relationships" xmlns:p="http://schemas.openxmlformats.org/presentationml/2006/main">
+  <p:cSld>
+    <p:spTree>
+      <p:nvGrpSpPr>
+        <p:cNvPr id="1" name=""/>
+        <p:cNvGrpSpPr/>
+        <p:nvPr/>
+      </p:nvGrpSpPr>
+      <p:grpSpPr>
+        <a:xfrm>
+          <a:off x="0" y="0"/>
+          <a:ext cx="0" cy="0"/>
+          <a:chOff x="0" y="0"/>
+          <a:chExt cx="0" cy="0"/>
+        </a:xfrm>
+      </p:grpSpPr>
+      <p:sp>
+        <p:nvSpPr>
+          <p:cNvPr id="2" name="Title 1"/>
+          <p:cNvSpPr>
+            <a:spLocks noGrp="1"/>
+          </p:cNvSpPr>
+          <p:nvPr>
+            <p:ph type="title"/>
+          </p:nvPr>
+        </p:nvSpPr>
         <p:spPr/>
         <p:txBody>
           <a:bodyPr/>
@@ -7524,7 +8052,7 @@
 </p:sld>
 </file>
 
-<file path=ppt/slides/slide4.xml><?xml version="1.0" encoding="utf-8"?>
+<file path=ppt/slides/slide5.xml><?xml version="1.0" encoding="utf-8"?>
 <p:sld xmlns:a="http://schemas.openxmlformats.org/drawingml/2006/main" xmlns:r="http://schemas.openxmlformats.org/officeDocument/2006/relationships" xmlns:p="http://schemas.openxmlformats.org/presentationml/2006/main">
   <p:cSld>
     <p:spTree>
@@ -7600,7 +8128,7 @@
 </p:sld>
 </file>
 
-<file path=ppt/slides/slide5.xml><?xml version="1.0" encoding="utf-8"?>
+<file path=ppt/slides/slide6.xml><?xml version="1.0" encoding="utf-8"?>
 <p:sld xmlns:a="http://schemas.openxmlformats.org/drawingml/2006/main" xmlns:r="http://schemas.openxmlformats.org/officeDocument/2006/relationships" xmlns:p="http://schemas.openxmlformats.org/presentationml/2006/main">
   <p:cSld>
     <p:spTree>
@@ -7855,7 +8383,7 @@
 </p:sld>
 </file>
 
-<file path=ppt/slides/slide6.xml><?xml version="1.0" encoding="utf-8"?>
+<file path=ppt/slides/slide7.xml><?xml version="1.0" encoding="utf-8"?>
 <p:sld xmlns:a="http://schemas.openxmlformats.org/drawingml/2006/main" xmlns:r="http://schemas.openxmlformats.org/officeDocument/2006/relationships" xmlns:p="http://schemas.openxmlformats.org/presentationml/2006/main">
   <p:cSld>
     <p:spTree>
@@ -8076,136 +8604,6 @@
 </p:sld>
 </file>
 
-<file path=ppt/slides/slide7.xml><?xml version="1.0" encoding="utf-8"?>
-<p:sld xmlns:a="http://schemas.openxmlformats.org/drawingml/2006/main" xmlns:r="http://schemas.openxmlformats.org/officeDocument/2006/relationships" xmlns:p="http://schemas.openxmlformats.org/presentationml/2006/main">
-  <p:cSld>
-    <p:spTree>
-      <p:nvGrpSpPr>
-        <p:cNvPr id="1" name=""/>
-        <p:cNvGrpSpPr/>
-        <p:nvPr/>
-      </p:nvGrpSpPr>
-      <p:grpSpPr>
-        <a:xfrm>
-          <a:off x="0" y="0"/>
-          <a:ext cx="0" cy="0"/>
-          <a:chOff x="0" y="0"/>
-          <a:chExt cx="0" cy="0"/>
-        </a:xfrm>
-      </p:grpSpPr>
-      <p:sp>
-        <p:nvSpPr>
-          <p:cNvPr id="7" name="Title 6"/>
-          <p:cNvSpPr>
-            <a:spLocks noGrp="1"/>
-          </p:cNvSpPr>
-          <p:nvPr>
-            <p:ph type="title"/>
-          </p:nvPr>
-        </p:nvSpPr>
-        <p:spPr/>
-        <p:txBody>
-          <a:bodyPr/>
-          <a:lstStyle/>
-          <a:p>
-            <a:r>
-              <a:rPr lang="en-US" dirty="0" smtClean="0"/>
-              <a:t>Characteristics of oops</a:t>
-            </a:r>
-            <a:endParaRPr lang="en-US" dirty="0"/>
-          </a:p>
-        </p:txBody>
-      </p:sp>
-      <p:sp>
-        <p:nvSpPr>
-          <p:cNvPr id="8" name="Content Placeholder 7"/>
-          <p:cNvSpPr>
-            <a:spLocks noGrp="1"/>
-          </p:cNvSpPr>
-          <p:nvPr>
-            <p:ph idx="1"/>
-          </p:nvPr>
-        </p:nvSpPr>
-        <p:spPr/>
-        <p:txBody>
-          <a:bodyPr/>
-          <a:lstStyle/>
-          <a:p>
-            <a:pPr marL="457200" indent="-457200">
-              <a:buFont typeface="+mj-lt"/>
-              <a:buAutoNum type="arabicPeriod"/>
-            </a:pPr>
-            <a:r>
-              <a:rPr lang="en-US" dirty="0" smtClean="0"/>
-              <a:t>CLASS</a:t>
-            </a:r>
-          </a:p>
-          <a:p>
-            <a:pPr marL="457200" indent="-457200">
-              <a:buFont typeface="+mj-lt"/>
-              <a:buAutoNum type="arabicPeriod"/>
-            </a:pPr>
-            <a:r>
-              <a:rPr lang="en-US" dirty="0" smtClean="0"/>
-              <a:t>OBJECT</a:t>
-            </a:r>
-          </a:p>
-          <a:p>
-            <a:pPr marL="457200" indent="-457200">
-              <a:buFont typeface="+mj-lt"/>
-              <a:buAutoNum type="arabicPeriod"/>
-            </a:pPr>
-            <a:r>
-              <a:rPr lang="en-US" dirty="0" smtClean="0"/>
-              <a:t>ENCAPSULATION</a:t>
-            </a:r>
-          </a:p>
-          <a:p>
-            <a:pPr marL="457200" indent="-457200">
-              <a:buFont typeface="+mj-lt"/>
-              <a:buAutoNum type="arabicPeriod"/>
-            </a:pPr>
-            <a:r>
-              <a:rPr lang="en-US" dirty="0" smtClean="0"/>
-              <a:t>ABSTRACTION</a:t>
-            </a:r>
-          </a:p>
-          <a:p>
-            <a:pPr marL="457200" indent="-457200">
-              <a:buFont typeface="+mj-lt"/>
-              <a:buAutoNum type="arabicPeriod"/>
-            </a:pPr>
-            <a:r>
-              <a:rPr lang="en-US" dirty="0" smtClean="0"/>
-              <a:t>INHERITANCE</a:t>
-            </a:r>
-          </a:p>
-          <a:p>
-            <a:pPr marL="457200" indent="-457200">
-              <a:buFont typeface="+mj-lt"/>
-              <a:buAutoNum type="arabicPeriod"/>
-            </a:pPr>
-            <a:r>
-              <a:rPr lang="en-US" dirty="0" smtClean="0"/>
-              <a:t>POLYMORPHISM</a:t>
-            </a:r>
-            <a:endParaRPr lang="en-US" dirty="0"/>
-          </a:p>
-        </p:txBody>
-      </p:sp>
-    </p:spTree>
-    <p:extLst>
-      <p:ext uri="{BB962C8B-B14F-4D97-AF65-F5344CB8AC3E}">
-        <p14:creationId xmlns:p14="http://schemas.microsoft.com/office/powerpoint/2010/main" val="3202460018"/>
-      </p:ext>
-    </p:extLst>
-  </p:cSld>
-  <p:clrMapOvr>
-    <a:masterClrMapping/>
-  </p:clrMapOvr>
-</p:sld>
-</file>
-
 <file path=ppt/slides/slide8.xml><?xml version="1.0" encoding="utf-8"?>
 <p:sld xmlns:a="http://schemas.openxmlformats.org/drawingml/2006/main" xmlns:r="http://schemas.openxmlformats.org/officeDocument/2006/relationships" xmlns:p="http://schemas.openxmlformats.org/presentationml/2006/main">
   <p:cSld>
@@ -8223,36 +8621,110 @@
           <a:chExt cx="0" cy="0"/>
         </a:xfrm>
       </p:grpSpPr>
-      <p:pic>
-        <p:nvPicPr>
-          <p:cNvPr id="4" name="Content Placeholder 3"/>
-          <p:cNvPicPr>
-            <a:picLocks noGrp="1" noChangeAspect="1"/>
-          </p:cNvPicPr>
+      <p:sp>
+        <p:nvSpPr>
+          <p:cNvPr id="7" name="Title 6"/>
+          <p:cNvSpPr>
+            <a:spLocks noGrp="1"/>
+          </p:cNvSpPr>
           <p:nvPr>
-            <p:ph idx="4294967295"/>
+            <p:ph type="title"/>
           </p:nvPr>
-        </p:nvPicPr>
-        <p:blipFill>
-          <a:blip r:embed="rId2"/>
-          <a:stretch>
-            <a:fillRect/>
-          </a:stretch>
-        </p:blipFill>
-        <p:spPr>
-          <a:xfrm>
-            <a:off x="4578350" y="1255713"/>
-            <a:ext cx="7613650" cy="3467100"/>
-          </a:xfrm>
-          <a:prstGeom prst="rect">
-            <a:avLst/>
-          </a:prstGeom>
-        </p:spPr>
-      </p:pic>
+        </p:nvSpPr>
+        <p:spPr/>
+        <p:txBody>
+          <a:bodyPr/>
+          <a:lstStyle/>
+          <a:p>
+            <a:r>
+              <a:rPr lang="en-US" dirty="0" smtClean="0"/>
+              <a:t>Characteristics of oops</a:t>
+            </a:r>
+            <a:endParaRPr lang="en-US" dirty="0"/>
+          </a:p>
+        </p:txBody>
+      </p:sp>
+      <p:sp>
+        <p:nvSpPr>
+          <p:cNvPr id="8" name="Content Placeholder 7"/>
+          <p:cNvSpPr>
+            <a:spLocks noGrp="1"/>
+          </p:cNvSpPr>
+          <p:nvPr>
+            <p:ph idx="1"/>
+          </p:nvPr>
+        </p:nvSpPr>
+        <p:spPr/>
+        <p:txBody>
+          <a:bodyPr/>
+          <a:lstStyle/>
+          <a:p>
+            <a:pPr marL="457200" indent="-457200">
+              <a:buFont typeface="+mj-lt"/>
+              <a:buAutoNum type="arabicPeriod"/>
+            </a:pPr>
+            <a:r>
+              <a:rPr lang="en-US" dirty="0" smtClean="0"/>
+              <a:t>CLASS</a:t>
+            </a:r>
+          </a:p>
+          <a:p>
+            <a:pPr marL="457200" indent="-457200">
+              <a:buFont typeface="+mj-lt"/>
+              <a:buAutoNum type="arabicPeriod"/>
+            </a:pPr>
+            <a:r>
+              <a:rPr lang="en-US" dirty="0" smtClean="0"/>
+              <a:t>OBJECT</a:t>
+            </a:r>
+          </a:p>
+          <a:p>
+            <a:pPr marL="457200" indent="-457200">
+              <a:buFont typeface="+mj-lt"/>
+              <a:buAutoNum type="arabicPeriod"/>
+            </a:pPr>
+            <a:r>
+              <a:rPr lang="en-US" dirty="0" smtClean="0"/>
+              <a:t>ENCAPSULATION</a:t>
+            </a:r>
+          </a:p>
+          <a:p>
+            <a:pPr marL="457200" indent="-457200">
+              <a:buFont typeface="+mj-lt"/>
+              <a:buAutoNum type="arabicPeriod"/>
+            </a:pPr>
+            <a:r>
+              <a:rPr lang="en-US" dirty="0" smtClean="0"/>
+              <a:t>ABSTRACTION</a:t>
+            </a:r>
+          </a:p>
+          <a:p>
+            <a:pPr marL="457200" indent="-457200">
+              <a:buFont typeface="+mj-lt"/>
+              <a:buAutoNum type="arabicPeriod"/>
+            </a:pPr>
+            <a:r>
+              <a:rPr lang="en-US" dirty="0" smtClean="0"/>
+              <a:t>INHERITANCE</a:t>
+            </a:r>
+          </a:p>
+          <a:p>
+            <a:pPr marL="457200" indent="-457200">
+              <a:buFont typeface="+mj-lt"/>
+              <a:buAutoNum type="arabicPeriod"/>
+            </a:pPr>
+            <a:r>
+              <a:rPr lang="en-US" dirty="0" smtClean="0"/>
+              <a:t>POLYMORPHISM</a:t>
+            </a:r>
+            <a:endParaRPr lang="en-US" dirty="0"/>
+          </a:p>
+        </p:txBody>
+      </p:sp>
     </p:spTree>
     <p:extLst>
       <p:ext uri="{BB962C8B-B14F-4D97-AF65-F5344CB8AC3E}">
-        <p14:creationId xmlns:p14="http://schemas.microsoft.com/office/powerpoint/2010/main" val="2830083503"/>
+        <p14:creationId xmlns:p14="http://schemas.microsoft.com/office/powerpoint/2010/main" val="3202460018"/>
       </p:ext>
     </p:extLst>
   </p:cSld>

--- a/OOPSpresentation.pptx
+++ b/OOPSpresentation.pptx
@@ -6897,6 +6897,13 @@
   <p:clrMapOvr>
     <a:masterClrMapping/>
   </p:clrMapOvr>
+  <p:timing>
+    <p:tnLst>
+      <p:par>
+        <p:cTn id="1" dur="indefinite" restart="never" nodeType="tmRoot"/>
+      </p:par>
+    </p:tnLst>
+  </p:timing>
 </p:sld>
 </file>
 
@@ -7042,6 +7049,13 @@
   <p:clrMapOvr>
     <a:masterClrMapping/>
   </p:clrMapOvr>
+  <p:timing>
+    <p:tnLst>
+      <p:par>
+        <p:cTn id="1" dur="indefinite" restart="never" nodeType="tmRoot"/>
+      </p:par>
+    </p:tnLst>
+  </p:timing>
 </p:sld>
 </file>
 
@@ -7115,6 +7129,13 @@
   <p:clrMapOvr>
     <a:masterClrMapping/>
   </p:clrMapOvr>
+  <p:timing>
+    <p:tnLst>
+      <p:par>
+        <p:cTn id="1" dur="indefinite" restart="never" nodeType="tmRoot"/>
+      </p:par>
+    </p:tnLst>
+  </p:timing>
 </p:sld>
 </file>
 
@@ -7194,6 +7215,13 @@
   <p:clrMapOvr>
     <a:masterClrMapping/>
   </p:clrMapOvr>
+  <p:timing>
+    <p:tnLst>
+      <p:par>
+        <p:cTn id="1" dur="indefinite" restart="never" nodeType="tmRoot"/>
+      </p:par>
+    </p:tnLst>
+  </p:timing>
 </p:sld>
 </file>
 
@@ -7308,6 +7336,13 @@
   <p:clrMapOvr>
     <a:masterClrMapping/>
   </p:clrMapOvr>
+  <p:timing>
+    <p:tnLst>
+      <p:par>
+        <p:cTn id="1" dur="indefinite" restart="never" nodeType="tmRoot"/>
+      </p:par>
+    </p:tnLst>
+  </p:timing>
 </p:sld>
 </file>
 
@@ -7701,6 +7736,13 @@
   <p:clrMapOvr>
     <a:masterClrMapping/>
   </p:clrMapOvr>
+  <p:timing>
+    <p:tnLst>
+      <p:par>
+        <p:cTn id="1" dur="indefinite" restart="never" nodeType="tmRoot"/>
+      </p:par>
+    </p:tnLst>
+  </p:timing>
 </p:sld>
 </file>
 
@@ -7822,6 +7864,47 @@
           </a:p>
         </p:txBody>
       </p:sp>
+      <p:pic>
+        <p:nvPicPr>
+          <p:cNvPr id="1026" name="Picture 2" descr="Image result for alan kay"/>
+          <p:cNvPicPr>
+            <a:picLocks noChangeAspect="1" noChangeArrowheads="1"/>
+          </p:cNvPicPr>
+          <p:nvPr/>
+        </p:nvPicPr>
+        <p:blipFill>
+          <a:blip r:embed="rId2">
+            <a:extLst>
+              <a:ext uri="{28A0092B-C50C-407E-A947-70E740481C1C}">
+                <a14:useLocalDpi xmlns:a14="http://schemas.microsoft.com/office/drawing/2010/main" val="0"/>
+              </a:ext>
+            </a:extLst>
+          </a:blip>
+          <a:srcRect/>
+          <a:stretch>
+            <a:fillRect/>
+          </a:stretch>
+        </p:blipFill>
+        <p:spPr bwMode="auto">
+          <a:xfrm>
+            <a:off x="7803545" y="1989136"/>
+            <a:ext cx="3626455" cy="2633663"/>
+          </a:xfrm>
+          <a:prstGeom prst="rect">
+            <a:avLst/>
+          </a:prstGeom>
+          <a:noFill/>
+          <a:extLst>
+            <a:ext uri="{909E8E84-426E-40DD-AFC4-6F175D3DCCD1}">
+              <a14:hiddenFill xmlns:a14="http://schemas.microsoft.com/office/drawing/2010/main">
+                <a:solidFill>
+                  <a:srgbClr val="FFFFFF"/>
+                </a:solidFill>
+              </a14:hiddenFill>
+            </a:ext>
+          </a:extLst>
+        </p:spPr>
+      </p:pic>
     </p:spTree>
     <p:extLst>
       <p:ext uri="{BB962C8B-B14F-4D97-AF65-F5344CB8AC3E}">
@@ -7832,6 +7915,13 @@
   <p:clrMapOvr>
     <a:masterClrMapping/>
   </p:clrMapOvr>
+  <p:timing>
+    <p:tnLst>
+      <p:par>
+        <p:cTn id="1" dur="indefinite" restart="never" nodeType="tmRoot"/>
+      </p:par>
+    </p:tnLst>
+  </p:timing>
 </p:sld>
 </file>
 
@@ -7944,6 +8034,13 @@
   <p:clrMapOvr>
     <a:masterClrMapping/>
   </p:clrMapOvr>
+  <p:timing>
+    <p:tnLst>
+      <p:par>
+        <p:cTn id="1" dur="indefinite" restart="never" nodeType="tmRoot"/>
+      </p:par>
+    </p:tnLst>
+  </p:timing>
 </p:sld>
 </file>
 
@@ -8049,6 +8146,13 @@
   <p:clrMapOvr>
     <a:masterClrMapping/>
   </p:clrMapOvr>
+  <p:timing>
+    <p:tnLst>
+      <p:par>
+        <p:cTn id="1" dur="indefinite" restart="never" nodeType="tmRoot"/>
+      </p:par>
+    </p:tnLst>
+  </p:timing>
 </p:sld>
 </file>
 
@@ -8125,6 +8229,13 @@
   <p:clrMapOvr>
     <a:masterClrMapping/>
   </p:clrMapOvr>
+  <p:timing>
+    <p:tnLst>
+      <p:par>
+        <p:cTn id="1" dur="indefinite" restart="never" nodeType="tmRoot"/>
+      </p:par>
+    </p:tnLst>
+  </p:timing>
 </p:sld>
 </file>
 
@@ -8380,6 +8491,13 @@
   <p:clrMapOvr>
     <a:masterClrMapping/>
   </p:clrMapOvr>
+  <p:timing>
+    <p:tnLst>
+      <p:par>
+        <p:cTn id="1" dur="indefinite" restart="never" nodeType="tmRoot"/>
+      </p:par>
+    </p:tnLst>
+  </p:timing>
 </p:sld>
 </file>
 
@@ -8601,6 +8719,13 @@
   <p:clrMapOvr>
     <a:masterClrMapping/>
   </p:clrMapOvr>
+  <p:timing>
+    <p:tnLst>
+      <p:par>
+        <p:cTn id="1" dur="indefinite" restart="never" nodeType="tmRoot"/>
+      </p:par>
+    </p:tnLst>
+  </p:timing>
 </p:sld>
 </file>
 
@@ -8721,6 +8846,47 @@
           </a:p>
         </p:txBody>
       </p:sp>
+      <p:pic>
+        <p:nvPicPr>
+          <p:cNvPr id="3076" name="Picture 4" descr="Image result for characteristics of oops"/>
+          <p:cNvPicPr>
+            <a:picLocks noChangeAspect="1" noChangeArrowheads="1"/>
+          </p:cNvPicPr>
+          <p:nvPr/>
+        </p:nvPicPr>
+        <p:blipFill>
+          <a:blip r:embed="rId2">
+            <a:extLst>
+              <a:ext uri="{28A0092B-C50C-407E-A947-70E740481C1C}">
+                <a14:useLocalDpi xmlns:a14="http://schemas.microsoft.com/office/drawing/2010/main" val="0"/>
+              </a:ext>
+            </a:extLst>
+          </a:blip>
+          <a:srcRect/>
+          <a:stretch>
+            <a:fillRect/>
+          </a:stretch>
+        </p:blipFill>
+        <p:spPr bwMode="auto">
+          <a:xfrm>
+            <a:off x="5121275" y="1700212"/>
+            <a:ext cx="5305425" cy="4086226"/>
+          </a:xfrm>
+          <a:prstGeom prst="rect">
+            <a:avLst/>
+          </a:prstGeom>
+          <a:noFill/>
+          <a:extLst>
+            <a:ext uri="{909E8E84-426E-40DD-AFC4-6F175D3DCCD1}">
+              <a14:hiddenFill xmlns:a14="http://schemas.microsoft.com/office/drawing/2010/main">
+                <a:solidFill>
+                  <a:srgbClr val="FFFFFF"/>
+                </a:solidFill>
+              </a14:hiddenFill>
+            </a:ext>
+          </a:extLst>
+        </p:spPr>
+      </p:pic>
     </p:spTree>
     <p:extLst>
       <p:ext uri="{BB962C8B-B14F-4D97-AF65-F5344CB8AC3E}">
@@ -8731,6 +8897,13 @@
   <p:clrMapOvr>
     <a:masterClrMapping/>
   </p:clrMapOvr>
+  <p:timing>
+    <p:tnLst>
+      <p:par>
+        <p:cTn id="1" dur="indefinite" restart="never" nodeType="tmRoot"/>
+      </p:par>
+    </p:tnLst>
+  </p:timing>
 </p:sld>
 </file>
 
@@ -8811,6 +8984,13 @@
   <p:clrMapOvr>
     <a:masterClrMapping/>
   </p:clrMapOvr>
+  <p:timing>
+    <p:tnLst>
+      <p:par>
+        <p:cTn id="1" dur="indefinite" restart="never" nodeType="tmRoot"/>
+      </p:par>
+    </p:tnLst>
+  </p:timing>
 </p:sld>
 </file>
 
